--- a/cs 230/Ch02 - Fundamentals Of Digital Logic.pptx
+++ b/cs 230/Ch02 - Fundamentals Of Digital Logic.pptx
@@ -7045,10 +7045,10 @@
               <a:buNone/>
             </a:pPr>
             <a:r>
-              <a:rPr lang="en" sz="1100" b="0" i="0" u="none" strike="noStrike" cap="none"/>
+              <a:rPr lang="en" sz="1100" b="0" i="0" u="none" strike="noStrike" cap="none" dirty="0"/>
               <a:t>This is counter-intuitive!</a:t>
             </a:r>
-            <a:endParaRPr/>
+            <a:endParaRPr dirty="0"/>
           </a:p>
           <a:p>
             <a:pPr marL="0" marR="0" lvl="0" indent="0" algn="l" rtl="0">
@@ -7061,7 +7061,7 @@
               <a:buFont typeface="Arial"/>
               <a:buNone/>
             </a:pPr>
-            <a:endParaRPr sz="1100" b="0" i="0" u="none" strike="noStrike" cap="none"/>
+            <a:endParaRPr sz="1100" b="0" i="0" u="none" strike="noStrike" cap="none" dirty="0"/>
           </a:p>
           <a:p>
             <a:pPr marL="0" marR="0" lvl="0" indent="0" algn="l" rtl="0">
@@ -7075,10 +7075,10 @@
               <a:buNone/>
             </a:pPr>
             <a:r>
-              <a:rPr lang="en" sz="1100" b="0" i="0" u="none" strike="noStrike" cap="none"/>
+              <a:rPr lang="en" sz="1100" b="0" i="0" u="none" strike="noStrike" cap="none" dirty="0"/>
               <a:t>As programmers, we train you to avoid replication -- and use iteration whenever possible!</a:t>
             </a:r>
-            <a:endParaRPr/>
+            <a:endParaRPr dirty="0"/>
           </a:p>
           <a:p>
             <a:pPr marL="0" marR="0" lvl="0" indent="0" algn="l" rtl="0">
@@ -7091,7 +7091,7 @@
               <a:buFont typeface="Arial"/>
               <a:buNone/>
             </a:pPr>
-            <a:endParaRPr sz="1100" b="0" i="0" u="none" strike="noStrike" cap="none"/>
+            <a:endParaRPr sz="1100" b="0" i="0" u="none" strike="noStrike" cap="none" dirty="0"/>
           </a:p>
           <a:p>
             <a:pPr marL="0" marR="0" lvl="0" indent="0" algn="l" rtl="0">
@@ -7105,10 +7105,10 @@
               <a:buNone/>
             </a:pPr>
             <a:r>
-              <a:rPr lang="en" sz="1100" b="0" i="0" u="none" strike="noStrike" cap="none"/>
+              <a:rPr lang="en" sz="1100" b="0" i="0" u="none" strike="noStrike" cap="none" dirty="0"/>
               <a:t>We don’t create 32 variables with different names, we create one array, and use a for loop to process each item, one after another.</a:t>
             </a:r>
-            <a:endParaRPr/>
+            <a:endParaRPr dirty="0"/>
           </a:p>
           <a:p>
             <a:pPr marL="0" marR="0" lvl="0" indent="0" algn="l" rtl="0">
@@ -7121,7 +7121,7 @@
               <a:buFont typeface="Arial"/>
               <a:buNone/>
             </a:pPr>
-            <a:endParaRPr sz="1100" b="0" i="0" u="none" strike="noStrike" cap="none"/>
+            <a:endParaRPr sz="1100" b="0" i="0" u="none" strike="noStrike" cap="none" dirty="0"/>
           </a:p>
           <a:p>
             <a:pPr marL="0" marR="0" lvl="0" indent="0" algn="l" rtl="0">
@@ -7135,10 +7135,10 @@
               <a:buNone/>
             </a:pPr>
             <a:r>
-              <a:rPr lang="en" sz="1100" b="0" i="0" u="none" strike="noStrike" cap="none"/>
+              <a:rPr lang="en" sz="1100" b="0" i="0" u="none" strike="noStrike" cap="none" dirty="0"/>
               <a:t>In hardware, we would create 32 different (identical) paths, and then send one value through each path, in PARALLEL.</a:t>
             </a:r>
-            <a:endParaRPr/>
+            <a:endParaRPr dirty="0"/>
           </a:p>
         </p:txBody>
       </p:sp>
